--- a/java/java-logic/Slide-Java-Logic-05.pptx
+++ b/java/java-logic/Slide-Java-Logic-05.pptx
@@ -66,21 +66,21 @@
   <p:notesSz cx="6858000" cy="9144000"/>
   <p:embeddedFontLst>
     <p:embeddedFont>
-      <p:font typeface="Arvo" panose="020B0604020202020204" charset="0"/>
+      <p:font typeface="Arvo" panose="02000000000000000000" pitchFamily="2" charset="77"/>
       <p:regular r:id="rId56"/>
       <p:bold r:id="rId57"/>
       <p:italic r:id="rId58"/>
       <p:boldItalic r:id="rId59"/>
     </p:embeddedFont>
     <p:embeddedFont>
-      <p:font typeface="Roboto Condensed" panose="020B0604020202020204" charset="0"/>
+      <p:font typeface="Roboto Condensed" panose="02000000000000000000" pitchFamily="2" charset="0"/>
       <p:regular r:id="rId60"/>
       <p:bold r:id="rId61"/>
       <p:italic r:id="rId62"/>
       <p:boldItalic r:id="rId63"/>
     </p:embeddedFont>
     <p:embeddedFont>
-      <p:font typeface="Roboto Condensed Light" panose="020B0604020202020204" charset="0"/>
+      <p:font typeface="Roboto Condensed Light" panose="02000000000000000000" pitchFamily="2" charset="0"/>
       <p:regular r:id="rId64"/>
       <p:bold r:id="rId65"/>
       <p:italic r:id="rId66"/>
@@ -8806,8 +8806,8 @@
           <a:lstStyle/>
           <a:p>
             <a:r>
-              <a:rPr lang="en-US" dirty="0"/>
-              <a:t>Java Introduction</a:t>
+              <a:rPr lang="en-US"/>
+              <a:t>Goal Material</a:t>
             </a:r>
             <a:endParaRPr lang="en-ID" dirty="0"/>
           </a:p>
